--- a/data/Präsi/Arduist.pptx
+++ b/data/Präsi/Arduist.pptx
@@ -10,8 +10,9 @@
     <p:sldId id="258" r:id="rId4"/>
     <p:sldId id="262" r:id="rId5"/>
     <p:sldId id="259" r:id="rId6"/>
-    <p:sldId id="260" r:id="rId7"/>
-    <p:sldId id="261" r:id="rId8"/>
+    <p:sldId id="264" r:id="rId7"/>
+    <p:sldId id="260" r:id="rId8"/>
+    <p:sldId id="261" r:id="rId9"/>
   </p:sldIdLst>
   <p:sldSz cx="12192000" cy="6858000"/>
   <p:notesSz cx="6858000" cy="9144000"/>
@@ -249,7 +250,7 @@
           <a:p>
             <a:fld id="{2FA79138-941A-8548-9CFE-D7EC528F87BA}" type="datetimeFigureOut">
               <a:rPr lang="en-US" smtClean="0"/>
-              <a:t>11/8/17</a:t>
+              <a:t>11/9/17</a:t>
             </a:fld>
             <a:endParaRPr lang="en-US"/>
           </a:p>
@@ -419,7 +420,7 @@
           <a:p>
             <a:fld id="{2FA79138-941A-8548-9CFE-D7EC528F87BA}" type="datetimeFigureOut">
               <a:rPr lang="en-US" smtClean="0"/>
-              <a:t>11/8/17</a:t>
+              <a:t>11/9/17</a:t>
             </a:fld>
             <a:endParaRPr lang="en-US"/>
           </a:p>
@@ -599,7 +600,7 @@
           <a:p>
             <a:fld id="{2FA79138-941A-8548-9CFE-D7EC528F87BA}" type="datetimeFigureOut">
               <a:rPr lang="en-US" smtClean="0"/>
-              <a:t>11/8/17</a:t>
+              <a:t>11/9/17</a:t>
             </a:fld>
             <a:endParaRPr lang="en-US"/>
           </a:p>
@@ -776,7 +777,7 @@
           <a:p>
             <a:fld id="{2FA79138-941A-8548-9CFE-D7EC528F87BA}" type="datetimeFigureOut">
               <a:rPr lang="en-US" smtClean="0"/>
-              <a:t>11/8/17</a:t>
+              <a:t>11/9/17</a:t>
             </a:fld>
             <a:endParaRPr lang="en-US"/>
           </a:p>
@@ -1022,7 +1023,7 @@
           <a:p>
             <a:fld id="{2FA79138-941A-8548-9CFE-D7EC528F87BA}" type="datetimeFigureOut">
               <a:rPr lang="en-US" smtClean="0"/>
-              <a:t>11/8/17</a:t>
+              <a:t>11/9/17</a:t>
             </a:fld>
             <a:endParaRPr lang="en-US"/>
           </a:p>
@@ -1254,7 +1255,7 @@
           <a:p>
             <a:fld id="{2FA79138-941A-8548-9CFE-D7EC528F87BA}" type="datetimeFigureOut">
               <a:rPr lang="en-US" smtClean="0"/>
-              <a:t>11/8/17</a:t>
+              <a:t>11/9/17</a:t>
             </a:fld>
             <a:endParaRPr lang="en-US"/>
           </a:p>
@@ -1621,7 +1622,7 @@
           <a:p>
             <a:fld id="{2FA79138-941A-8548-9CFE-D7EC528F87BA}" type="datetimeFigureOut">
               <a:rPr lang="en-US" smtClean="0"/>
-              <a:t>11/8/17</a:t>
+              <a:t>11/9/17</a:t>
             </a:fld>
             <a:endParaRPr lang="en-US"/>
           </a:p>
@@ -1739,7 +1740,7 @@
           <a:p>
             <a:fld id="{2FA79138-941A-8548-9CFE-D7EC528F87BA}" type="datetimeFigureOut">
               <a:rPr lang="en-US" smtClean="0"/>
-              <a:t>11/8/17</a:t>
+              <a:t>11/9/17</a:t>
             </a:fld>
             <a:endParaRPr lang="en-US"/>
           </a:p>
@@ -1834,7 +1835,7 @@
           <a:p>
             <a:fld id="{2FA79138-941A-8548-9CFE-D7EC528F87BA}" type="datetimeFigureOut">
               <a:rPr lang="en-US" smtClean="0"/>
-              <a:t>11/8/17</a:t>
+              <a:t>11/9/17</a:t>
             </a:fld>
             <a:endParaRPr lang="en-US"/>
           </a:p>
@@ -2111,7 +2112,7 @@
           <a:p>
             <a:fld id="{2FA79138-941A-8548-9CFE-D7EC528F87BA}" type="datetimeFigureOut">
               <a:rPr lang="en-US" smtClean="0"/>
-              <a:t>11/8/17</a:t>
+              <a:t>11/9/17</a:t>
             </a:fld>
             <a:endParaRPr lang="en-US"/>
           </a:p>
@@ -2364,7 +2365,7 @@
           <a:p>
             <a:fld id="{2FA79138-941A-8548-9CFE-D7EC528F87BA}" type="datetimeFigureOut">
               <a:rPr lang="en-US" smtClean="0"/>
-              <a:t>11/8/17</a:t>
+              <a:t>11/9/17</a:t>
             </a:fld>
             <a:endParaRPr lang="en-US"/>
           </a:p>
@@ -2577,7 +2578,7 @@
           <a:p>
             <a:fld id="{2FA79138-941A-8548-9CFE-D7EC528F87BA}" type="datetimeFigureOut">
               <a:rPr lang="en-US" smtClean="0"/>
-              <a:t>11/8/17</a:t>
+              <a:t>11/9/17</a:t>
             </a:fld>
             <a:endParaRPr lang="en-US"/>
           </a:p>
@@ -4122,7 +4123,7 @@
                 <a:ea typeface="Brandon Grotesque" charset="0"/>
                 <a:cs typeface="Brandon Grotesque" charset="0"/>
               </a:rPr>
-              <a:t>TIMELINE</a:t>
+              <a:t>BUDGET</a:t>
             </a:r>
             <a:endParaRPr lang="en-US" sz="8800" dirty="0">
               <a:solidFill>
@@ -4137,19 +4138,268 @@
       </p:sp>
       <p:sp>
         <p:nvSpPr>
-          <p:cNvPr id="3" name="Subtitle 2"/>
-          <p:cNvSpPr>
-            <a:spLocks noGrp="1"/>
-          </p:cNvSpPr>
-          <p:nvPr>
-            <p:ph type="subTitle" idx="1"/>
-          </p:nvPr>
+          <p:cNvPr id="8" name="TextBox 7"/>
+          <p:cNvSpPr txBox="1"/>
+          <p:nvPr/>
         </p:nvSpPr>
         <p:spPr>
           <a:xfrm>
-            <a:off x="1524000" y="2514600"/>
-            <a:ext cx="9144000" cy="2743200"/>
+            <a:off x="3449534" y="2114749"/>
+            <a:ext cx="5292932" cy="3970318"/>
           </a:xfrm>
+          <a:prstGeom prst="rect">
+            <a:avLst/>
+          </a:prstGeom>
+          <a:noFill/>
+        </p:spPr>
+        <p:txBody>
+          <a:bodyPr wrap="square" rtlCol="0">
+            <a:spAutoFit/>
+          </a:bodyPr>
+          <a:lstStyle/>
+          <a:p>
+            <a:pPr>
+              <a:lnSpc>
+                <a:spcPct val="200000"/>
+              </a:lnSpc>
+            </a:pPr>
+            <a:r>
+              <a:rPr lang="en-US" dirty="0" smtClean="0">
+                <a:latin typeface="Brandon Grotesque" charset="0"/>
+                <a:ea typeface="Brandon Grotesque" charset="0"/>
+                <a:cs typeface="Brandon Grotesque" charset="0"/>
+              </a:rPr>
+              <a:t>MOTOR SHIELD			</a:t>
+            </a:r>
+            <a:r>
+              <a:rPr lang="en-US" dirty="0">
+                <a:latin typeface="Brandon Grotesque" charset="0"/>
+                <a:ea typeface="Brandon Grotesque" charset="0"/>
+                <a:cs typeface="Brandon Grotesque" charset="0"/>
+              </a:rPr>
+              <a:t>	</a:t>
+            </a:r>
+            <a:r>
+              <a:rPr lang="en-US" dirty="0" smtClean="0">
+                <a:latin typeface="Brandon Grotesque" charset="0"/>
+                <a:ea typeface="Brandon Grotesque" charset="0"/>
+                <a:cs typeface="Brandon Grotesque" charset="0"/>
+              </a:rPr>
+              <a:t>27.-</a:t>
+            </a:r>
+          </a:p>
+          <a:p>
+            <a:pPr>
+              <a:lnSpc>
+                <a:spcPct val="200000"/>
+              </a:lnSpc>
+            </a:pPr>
+            <a:r>
+              <a:rPr lang="en-US" dirty="0" smtClean="0">
+                <a:latin typeface="Brandon Grotesque" charset="0"/>
+                <a:ea typeface="Brandon Grotesque" charset="0"/>
+                <a:cs typeface="Brandon Grotesque" charset="0"/>
+              </a:rPr>
+              <a:t>SD BREAKOUT BOARD			14.-</a:t>
+            </a:r>
+          </a:p>
+          <a:p>
+            <a:pPr>
+              <a:lnSpc>
+                <a:spcPct val="200000"/>
+              </a:lnSpc>
+            </a:pPr>
+            <a:r>
+              <a:rPr lang="en-US" dirty="0" smtClean="0">
+                <a:latin typeface="Brandon Grotesque" charset="0"/>
+                <a:ea typeface="Brandon Grotesque" charset="0"/>
+                <a:cs typeface="Brandon Grotesque" charset="0"/>
+              </a:rPr>
+              <a:t>2 STEPPER MOTORS			20.-</a:t>
+            </a:r>
+          </a:p>
+          <a:p>
+            <a:pPr>
+              <a:lnSpc>
+                <a:spcPct val="200000"/>
+              </a:lnSpc>
+            </a:pPr>
+            <a:r>
+              <a:rPr lang="en-US" dirty="0" smtClean="0">
+                <a:latin typeface="Brandon Grotesque" charset="0"/>
+                <a:ea typeface="Brandon Grotesque" charset="0"/>
+                <a:cs typeface="Brandon Grotesque" charset="0"/>
+              </a:rPr>
+              <a:t>STAFFELEI				40.-</a:t>
+            </a:r>
+          </a:p>
+          <a:p>
+            <a:pPr>
+              <a:lnSpc>
+                <a:spcPct val="200000"/>
+              </a:lnSpc>
+            </a:pPr>
+            <a:r>
+              <a:rPr lang="en-US" dirty="0" smtClean="0">
+                <a:latin typeface="Brandon Grotesque" charset="0"/>
+                <a:ea typeface="Brandon Grotesque" charset="0"/>
+                <a:cs typeface="Brandon Grotesque" charset="0"/>
+              </a:rPr>
+              <a:t>HOLZ, STIFTE ETC			20.-</a:t>
+            </a:r>
+            <a:endParaRPr lang="en-US" b="1" dirty="0">
+              <a:latin typeface="Brandon Grotesque" charset="0"/>
+              <a:ea typeface="Brandon Grotesque" charset="0"/>
+              <a:cs typeface="Brandon Grotesque" charset="0"/>
+            </a:endParaRPr>
+          </a:p>
+          <a:p>
+            <a:pPr>
+              <a:lnSpc>
+                <a:spcPct val="200000"/>
+              </a:lnSpc>
+            </a:pPr>
+            <a:r>
+              <a:rPr lang="en-US" b="1" dirty="0" smtClean="0">
+                <a:latin typeface="Brandon Grotesque" charset="0"/>
+                <a:ea typeface="Brandon Grotesque" charset="0"/>
+                <a:cs typeface="Brandon Grotesque" charset="0"/>
+              </a:rPr>
+              <a:t>TOTAL</a:t>
+            </a:r>
+            <a:r>
+              <a:rPr lang="en-US" b="1" dirty="0">
+                <a:latin typeface="Brandon Grotesque" charset="0"/>
+                <a:ea typeface="Brandon Grotesque" charset="0"/>
+                <a:cs typeface="Brandon Grotesque" charset="0"/>
+              </a:rPr>
+              <a:t>	</a:t>
+            </a:r>
+            <a:r>
+              <a:rPr lang="en-US" b="1" dirty="0" smtClean="0">
+                <a:latin typeface="Brandon Grotesque" charset="0"/>
+                <a:ea typeface="Brandon Grotesque" charset="0"/>
+                <a:cs typeface="Brandon Grotesque" charset="0"/>
+              </a:rPr>
+              <a:t>			              ~ 120.-</a:t>
+            </a:r>
+            <a:r>
+              <a:rPr lang="en-US" b="1" dirty="0" smtClean="0">
+                <a:latin typeface="Brandon Grotesque" charset="0"/>
+                <a:ea typeface="Brandon Grotesque" charset="0"/>
+                <a:cs typeface="Brandon Grotesque" charset="0"/>
+              </a:rPr>
+              <a:t>	                 </a:t>
+            </a:r>
+            <a:r>
+              <a:rPr lang="en-US" dirty="0" smtClean="0">
+                <a:latin typeface="Brandon Grotesque" charset="0"/>
+                <a:ea typeface="Brandon Grotesque" charset="0"/>
+                <a:cs typeface="Brandon Grotesque" charset="0"/>
+              </a:rPr>
+              <a:t>	</a:t>
+            </a:r>
+            <a:endParaRPr lang="en-US" dirty="0">
+              <a:latin typeface="Brandon Grotesque" charset="0"/>
+              <a:ea typeface="Brandon Grotesque" charset="0"/>
+              <a:cs typeface="Brandon Grotesque" charset="0"/>
+            </a:endParaRPr>
+          </a:p>
+        </p:txBody>
+      </p:sp>
+      <p:cxnSp>
+        <p:nvCxnSpPr>
+          <p:cNvPr id="12" name="Straight Connector 11"/>
+          <p:cNvCxnSpPr/>
+          <p:nvPr/>
+        </p:nvCxnSpPr>
+        <p:spPr>
+          <a:xfrm>
+            <a:off x="3507802" y="4932928"/>
+            <a:ext cx="5102798" cy="4832"/>
+          </a:xfrm>
+          <a:prstGeom prst="line">
+            <a:avLst/>
+          </a:prstGeom>
+          <a:ln>
+            <a:solidFill>
+              <a:schemeClr val="tx1">
+                <a:lumMod val="50000"/>
+                <a:lumOff val="50000"/>
+              </a:schemeClr>
+            </a:solidFill>
+          </a:ln>
+        </p:spPr>
+        <p:style>
+          <a:lnRef idx="1">
+            <a:schemeClr val="accent1"/>
+          </a:lnRef>
+          <a:fillRef idx="0">
+            <a:schemeClr val="accent1"/>
+          </a:fillRef>
+          <a:effectRef idx="0">
+            <a:schemeClr val="accent1"/>
+          </a:effectRef>
+          <a:fontRef idx="minor">
+            <a:schemeClr val="tx1"/>
+          </a:fontRef>
+        </p:style>
+      </p:cxnSp>
+    </p:spTree>
+    <p:extLst>
+      <p:ext uri="{BB962C8B-B14F-4D97-AF65-F5344CB8AC3E}">
+        <p14:creationId xmlns:p14="http://schemas.microsoft.com/office/powerpoint/2010/main" val="631783846"/>
+      </p:ext>
+    </p:extLst>
+  </p:cSld>
+  <p:clrMapOvr>
+    <a:masterClrMapping/>
+  </p:clrMapOvr>
+  <p:timing>
+    <p:tnLst>
+      <p:par>
+        <p:cTn id="1" dur="indefinite" restart="never" nodeType="tmRoot"/>
+      </p:par>
+    </p:tnLst>
+  </p:timing>
+</p:sld>
+</file>
+
+<file path=ppt/slides/slide7.xml><?xml version="1.0" encoding="utf-8"?>
+<p:sld xmlns:a="http://schemas.openxmlformats.org/drawingml/2006/main" xmlns:r="http://schemas.openxmlformats.org/officeDocument/2006/relationships" xmlns:p="http://schemas.openxmlformats.org/presentationml/2006/main">
+  <p:cSld>
+    <p:spTree>
+      <p:nvGrpSpPr>
+        <p:cNvPr id="1" name=""/>
+        <p:cNvGrpSpPr/>
+        <p:nvPr/>
+      </p:nvGrpSpPr>
+      <p:grpSpPr>
+        <a:xfrm>
+          <a:off x="0" y="0"/>
+          <a:ext cx="0" cy="0"/>
+          <a:chOff x="0" y="0"/>
+          <a:chExt cx="0" cy="0"/>
+        </a:xfrm>
+      </p:grpSpPr>
+      <p:sp>
+        <p:nvSpPr>
+          <p:cNvPr id="2" name="Title 1"/>
+          <p:cNvSpPr>
+            <a:spLocks noGrp="1"/>
+          </p:cNvSpPr>
+          <p:nvPr>
+            <p:ph type="ctrTitle"/>
+          </p:nvPr>
+        </p:nvSpPr>
+        <p:spPr>
+          <a:xfrm>
+            <a:off x="0" y="0"/>
+            <a:ext cx="12192000" cy="1871663"/>
+          </a:xfrm>
+          <a:solidFill>
+            <a:srgbClr val="009AA0"/>
+          </a:solidFill>
         </p:spPr>
         <p:txBody>
           <a:bodyPr>
@@ -4157,7 +4407,51 @@
           </a:bodyPr>
           <a:lstStyle/>
           <a:p>
-            <a:pPr>
+            <a:r>
+              <a:rPr lang="en-US" sz="8800" dirty="0" smtClean="0">
+                <a:solidFill>
+                  <a:schemeClr val="bg1"/>
+                </a:solidFill>
+                <a:latin typeface="Brandon Grotesque" charset="0"/>
+                <a:ea typeface="Brandon Grotesque" charset="0"/>
+                <a:cs typeface="Brandon Grotesque" charset="0"/>
+              </a:rPr>
+              <a:t>TIMELINE</a:t>
+            </a:r>
+            <a:endParaRPr lang="en-US" sz="8800" dirty="0">
+              <a:solidFill>
+                <a:schemeClr val="bg1"/>
+              </a:solidFill>
+              <a:latin typeface="Brandon Grotesque" charset="0"/>
+              <a:ea typeface="Brandon Grotesque" charset="0"/>
+              <a:cs typeface="Brandon Grotesque" charset="0"/>
+            </a:endParaRPr>
+          </a:p>
+        </p:txBody>
+      </p:sp>
+      <p:sp>
+        <p:nvSpPr>
+          <p:cNvPr id="3" name="Subtitle 2"/>
+          <p:cNvSpPr>
+            <a:spLocks noGrp="1"/>
+          </p:cNvSpPr>
+          <p:nvPr>
+            <p:ph type="subTitle" idx="1"/>
+          </p:nvPr>
+        </p:nvSpPr>
+        <p:spPr>
+          <a:xfrm>
+            <a:off x="2245112" y="2458844"/>
+            <a:ext cx="7701776" cy="3663176"/>
+          </a:xfrm>
+        </p:spPr>
+        <p:txBody>
+          <a:bodyPr>
+            <a:normAutofit/>
+          </a:bodyPr>
+          <a:lstStyle/>
+          <a:p>
+            <a:pPr algn="l">
               <a:lnSpc>
                 <a:spcPct val="150000"/>
               </a:lnSpc>
@@ -4172,7 +4466,7 @@
             </a:r>
           </a:p>
           <a:p>
-            <a:pPr>
+            <a:pPr algn="l">
               <a:lnSpc>
                 <a:spcPct val="150000"/>
               </a:lnSpc>
@@ -4183,26 +4477,24 @@
                 <a:ea typeface="Brandon Grotesque" charset="0"/>
                 <a:cs typeface="Brandon Grotesque" charset="0"/>
               </a:rPr>
-              <a:t>MATERIAL BESTELLUNG</a:t>
-            </a:r>
-          </a:p>
-          <a:p>
-            <a:pPr>
-              <a:lnSpc>
-                <a:spcPct val="150000"/>
-              </a:lnSpc>
-            </a:pPr>
+              <a:t>MATERIAL </a:t>
+            </a:r>
             <a:r>
               <a:rPr lang="en-US" sz="1800" dirty="0" smtClean="0">
                 <a:latin typeface="Brandon Grotesque" charset="0"/>
                 <a:ea typeface="Brandon Grotesque" charset="0"/>
                 <a:cs typeface="Brandon Grotesque" charset="0"/>
               </a:rPr>
-              <a:t>HARDWARE TESTEN</a:t>
-            </a:r>
-          </a:p>
-          <a:p>
-            <a:pPr>
+              <a:t>BESTELLUNG				</a:t>
+            </a:r>
+            <a:endParaRPr lang="en-US" sz="1800" dirty="0" smtClean="0">
+              <a:latin typeface="Brandon Grotesque" charset="0"/>
+              <a:ea typeface="Brandon Grotesque" charset="0"/>
+              <a:cs typeface="Brandon Grotesque" charset="0"/>
+            </a:endParaRPr>
+          </a:p>
+          <a:p>
+            <a:pPr algn="l">
               <a:lnSpc>
                 <a:spcPct val="150000"/>
               </a:lnSpc>
@@ -4213,23 +4505,124 @@
                 <a:ea typeface="Brandon Grotesque" charset="0"/>
                 <a:cs typeface="Brandon Grotesque" charset="0"/>
               </a:rPr>
-              <a:t>PROGRAMMIERUNG ARDUINO</a:t>
-            </a:r>
-          </a:p>
-          <a:p>
-            <a:pPr>
-              <a:lnSpc>
-                <a:spcPct val="150000"/>
-              </a:lnSpc>
-            </a:pPr>
+              <a:t>HARDWARE </a:t>
+            </a:r>
             <a:r>
               <a:rPr lang="en-US" sz="1800" dirty="0" smtClean="0">
                 <a:latin typeface="Brandon Grotesque" charset="0"/>
                 <a:ea typeface="Brandon Grotesque" charset="0"/>
                 <a:cs typeface="Brandon Grotesque" charset="0"/>
               </a:rPr>
-              <a:t>BAUEN DER FINALEN APPARATUR</a:t>
-            </a:r>
+              <a:t>TESTEN				</a:t>
+            </a:r>
+            <a:r>
+              <a:rPr lang="en-US" sz="1800" b="1" dirty="0" smtClean="0">
+                <a:latin typeface="Brandon Grotesque" charset="0"/>
+                <a:ea typeface="Brandon Grotesque" charset="0"/>
+                <a:cs typeface="Brandon Grotesque" charset="0"/>
+              </a:rPr>
+              <a:t>MITTE NOVEMBER</a:t>
+            </a:r>
+            <a:endParaRPr lang="en-US" sz="1800" b="1" dirty="0" smtClean="0">
+              <a:latin typeface="Brandon Grotesque" charset="0"/>
+              <a:ea typeface="Brandon Grotesque" charset="0"/>
+              <a:cs typeface="Brandon Grotesque" charset="0"/>
+            </a:endParaRPr>
+          </a:p>
+          <a:p>
+            <a:pPr algn="l">
+              <a:lnSpc>
+                <a:spcPct val="150000"/>
+              </a:lnSpc>
+            </a:pPr>
+            <a:r>
+              <a:rPr lang="en-US" sz="1800" dirty="0" smtClean="0">
+                <a:latin typeface="Brandon Grotesque" charset="0"/>
+                <a:ea typeface="Brandon Grotesque" charset="0"/>
+                <a:cs typeface="Brandon Grotesque" charset="0"/>
+              </a:rPr>
+              <a:t>PROGRAMMIERUNG </a:t>
+            </a:r>
+            <a:r>
+              <a:rPr lang="en-US" sz="1800" dirty="0" smtClean="0">
+                <a:latin typeface="Brandon Grotesque" charset="0"/>
+                <a:ea typeface="Brandon Grotesque" charset="0"/>
+                <a:cs typeface="Brandon Grotesque" charset="0"/>
+              </a:rPr>
+              <a:t>ARDUINO			</a:t>
+            </a:r>
+            <a:r>
+              <a:rPr lang="en-US" sz="1800" b="1" dirty="0" smtClean="0">
+                <a:latin typeface="Brandon Grotesque" charset="0"/>
+                <a:ea typeface="Brandon Grotesque" charset="0"/>
+                <a:cs typeface="Brandon Grotesque" charset="0"/>
+              </a:rPr>
+              <a:t>ENDE NOVEMBER</a:t>
+            </a:r>
+            <a:endParaRPr lang="en-US" sz="1800" b="1" dirty="0" smtClean="0">
+              <a:latin typeface="Brandon Grotesque" charset="0"/>
+              <a:ea typeface="Brandon Grotesque" charset="0"/>
+              <a:cs typeface="Brandon Grotesque" charset="0"/>
+            </a:endParaRPr>
+          </a:p>
+          <a:p>
+            <a:pPr algn="l">
+              <a:lnSpc>
+                <a:spcPct val="150000"/>
+              </a:lnSpc>
+            </a:pPr>
+            <a:r>
+              <a:rPr lang="en-US" sz="1800" dirty="0" smtClean="0">
+                <a:latin typeface="Brandon Grotesque" charset="0"/>
+                <a:ea typeface="Brandon Grotesque" charset="0"/>
+                <a:cs typeface="Brandon Grotesque" charset="0"/>
+              </a:rPr>
+              <a:t>BAUEN DER FINALEN </a:t>
+            </a:r>
+            <a:r>
+              <a:rPr lang="en-US" sz="1800" dirty="0" smtClean="0">
+                <a:latin typeface="Brandon Grotesque" charset="0"/>
+                <a:ea typeface="Brandon Grotesque" charset="0"/>
+                <a:cs typeface="Brandon Grotesque" charset="0"/>
+              </a:rPr>
+              <a:t>APPARATUR			</a:t>
+            </a:r>
+            <a:r>
+              <a:rPr lang="en-US" sz="1800" b="1" dirty="0" smtClean="0">
+                <a:latin typeface="Brandon Grotesque" charset="0"/>
+                <a:ea typeface="Brandon Grotesque" charset="0"/>
+                <a:cs typeface="Brandon Grotesque" charset="0"/>
+              </a:rPr>
+              <a:t>ENDE DEZEMBER</a:t>
+            </a:r>
+          </a:p>
+          <a:p>
+            <a:pPr algn="l">
+              <a:lnSpc>
+                <a:spcPct val="150000"/>
+              </a:lnSpc>
+            </a:pPr>
+            <a:r>
+              <a:rPr lang="en-US" sz="1800" dirty="0" smtClean="0">
+                <a:latin typeface="Brandon Grotesque" charset="0"/>
+                <a:ea typeface="Brandon Grotesque" charset="0"/>
+                <a:cs typeface="Brandon Grotesque" charset="0"/>
+              </a:rPr>
+              <a:t>DOKUMENTATION				</a:t>
+            </a:r>
+            <a:r>
+              <a:rPr lang="en-US" sz="1800" b="1" dirty="0" smtClean="0">
+                <a:latin typeface="Brandon Grotesque" charset="0"/>
+                <a:ea typeface="Brandon Grotesque" charset="0"/>
+                <a:cs typeface="Brandon Grotesque" charset="0"/>
+              </a:rPr>
+              <a:t>MITTE JANUAR</a:t>
+            </a:r>
+            <a:endParaRPr lang="en-US" sz="1800" b="1" dirty="0" smtClean="0">
+              <a:latin typeface="Brandon Grotesque" charset="0"/>
+              <a:ea typeface="Brandon Grotesque" charset="0"/>
+              <a:cs typeface="Brandon Grotesque" charset="0"/>
+            </a:endParaRPr>
           </a:p>
         </p:txBody>
       </p:sp>
@@ -4273,7 +4666,7 @@
         </p:blipFill>
         <p:spPr>
           <a:xfrm>
-            <a:off x="8169276" y="2982600"/>
+            <a:off x="8247335" y="3066024"/>
             <a:ext cx="989012" cy="468000"/>
           </a:xfrm>
           <a:prstGeom prst="rect">
@@ -4324,7 +4717,7 @@
         </p:blipFill>
         <p:spPr>
           <a:xfrm>
-            <a:off x="8169276" y="2514600"/>
+            <a:off x="8247335" y="2551803"/>
             <a:ext cx="989012" cy="468000"/>
           </a:xfrm>
           <a:prstGeom prst="rect">
@@ -4468,7 +4861,7 @@
 </p:sld>
 </file>
 
-<file path=ppt/slides/slide7.xml><?xml version="1.0" encoding="utf-8"?>
+<file path=ppt/slides/slide8.xml><?xml version="1.0" encoding="utf-8"?>
 <p:sld xmlns:a="http://schemas.openxmlformats.org/drawingml/2006/main" xmlns:r="http://schemas.openxmlformats.org/officeDocument/2006/relationships" xmlns:p="http://schemas.openxmlformats.org/presentationml/2006/main">
   <p:cSld>
     <p:spTree>
